--- a/第4章excel/图表/图表数据系列.pptx
+++ b/第4章excel/图表/图表数据系列.pptx
@@ -291,7 +291,7 @@
           <a:p>
             <a:fld id="{530820CF-B880-4189-942D-D702A7CBA730}" type="datetimeFigureOut">
               <a:rPr lang="zh-CN" altLang="en-US" smtClean="0"/>
-              <a:t>2020/6/7</a:t>
+              <a:t>2020/6/8</a:t>
             </a:fld>
             <a:endParaRPr lang="zh-CN" altLang="en-US"/>
           </a:p>
@@ -456,7 +456,7 @@
           <a:p>
             <a:fld id="{530820CF-B880-4189-942D-D702A7CBA730}" type="datetimeFigureOut">
               <a:rPr lang="zh-CN" altLang="en-US" smtClean="0"/>
-              <a:t>2020/6/7</a:t>
+              <a:t>2020/6/8</a:t>
             </a:fld>
             <a:endParaRPr lang="zh-CN" altLang="en-US"/>
           </a:p>
@@ -631,7 +631,7 @@
           <a:p>
             <a:fld id="{530820CF-B880-4189-942D-D702A7CBA730}" type="datetimeFigureOut">
               <a:rPr lang="zh-CN" altLang="en-US" smtClean="0"/>
-              <a:t>2020/6/7</a:t>
+              <a:t>2020/6/8</a:t>
             </a:fld>
             <a:endParaRPr lang="zh-CN" altLang="en-US"/>
           </a:p>
@@ -796,7 +796,7 @@
           <a:p>
             <a:fld id="{530820CF-B880-4189-942D-D702A7CBA730}" type="datetimeFigureOut">
               <a:rPr lang="zh-CN" altLang="en-US" smtClean="0"/>
-              <a:t>2020/6/7</a:t>
+              <a:t>2020/6/8</a:t>
             </a:fld>
             <a:endParaRPr lang="zh-CN" altLang="en-US"/>
           </a:p>
@@ -1037,7 +1037,7 @@
           <a:p>
             <a:fld id="{530820CF-B880-4189-942D-D702A7CBA730}" type="datetimeFigureOut">
               <a:rPr lang="zh-CN" altLang="en-US" smtClean="0"/>
-              <a:t>2020/6/7</a:t>
+              <a:t>2020/6/8</a:t>
             </a:fld>
             <a:endParaRPr lang="zh-CN" altLang="en-US"/>
           </a:p>
@@ -1320,7 +1320,7 @@
           <a:p>
             <a:fld id="{530820CF-B880-4189-942D-D702A7CBA730}" type="datetimeFigureOut">
               <a:rPr lang="zh-CN" altLang="en-US" smtClean="0"/>
-              <a:t>2020/6/7</a:t>
+              <a:t>2020/6/8</a:t>
             </a:fld>
             <a:endParaRPr lang="zh-CN" altLang="en-US"/>
           </a:p>
@@ -1737,7 +1737,7 @@
           <a:p>
             <a:fld id="{530820CF-B880-4189-942D-D702A7CBA730}" type="datetimeFigureOut">
               <a:rPr lang="zh-CN" altLang="en-US" smtClean="0"/>
-              <a:t>2020/6/7</a:t>
+              <a:t>2020/6/8</a:t>
             </a:fld>
             <a:endParaRPr lang="zh-CN" altLang="en-US"/>
           </a:p>
@@ -1850,7 +1850,7 @@
           <a:p>
             <a:fld id="{530820CF-B880-4189-942D-D702A7CBA730}" type="datetimeFigureOut">
               <a:rPr lang="zh-CN" altLang="en-US" smtClean="0"/>
-              <a:t>2020/6/7</a:t>
+              <a:t>2020/6/8</a:t>
             </a:fld>
             <a:endParaRPr lang="zh-CN" altLang="en-US"/>
           </a:p>
@@ -1940,7 +1940,7 @@
           <a:p>
             <a:fld id="{530820CF-B880-4189-942D-D702A7CBA730}" type="datetimeFigureOut">
               <a:rPr lang="zh-CN" altLang="en-US" smtClean="0"/>
-              <a:t>2020/6/7</a:t>
+              <a:t>2020/6/8</a:t>
             </a:fld>
             <a:endParaRPr lang="zh-CN" altLang="en-US"/>
           </a:p>
@@ -2212,7 +2212,7 @@
           <a:p>
             <a:fld id="{530820CF-B880-4189-942D-D702A7CBA730}" type="datetimeFigureOut">
               <a:rPr lang="zh-CN" altLang="en-US" smtClean="0"/>
-              <a:t>2020/6/7</a:t>
+              <a:t>2020/6/8</a:t>
             </a:fld>
             <a:endParaRPr lang="zh-CN" altLang="en-US"/>
           </a:p>
@@ -2460,7 +2460,7 @@
           <a:p>
             <a:fld id="{530820CF-B880-4189-942D-D702A7CBA730}" type="datetimeFigureOut">
               <a:rPr lang="zh-CN" altLang="en-US" smtClean="0"/>
-              <a:t>2020/6/7</a:t>
+              <a:t>2020/6/8</a:t>
             </a:fld>
             <a:endParaRPr lang="zh-CN" altLang="en-US"/>
           </a:p>
@@ -2668,7 +2668,7 @@
           <a:p>
             <a:fld id="{530820CF-B880-4189-942D-D702A7CBA730}" type="datetimeFigureOut">
               <a:rPr lang="zh-CN" altLang="en-US" smtClean="0"/>
-              <a:t>2020/6/7</a:t>
+              <a:t>2020/6/8</a:t>
             </a:fld>
             <a:endParaRPr lang="zh-CN" altLang="en-US"/>
           </a:p>
@@ -4115,7 +4115,27 @@
           <a:p>
             <a:r>
               <a:rPr lang="zh-CN" altLang="en-US" dirty="0" smtClean="0"/>
-              <a:t>由于系列“优秀率”的数据是百分比，而系列“第一名”是数字，两种数据在一个坐标轴显示时，优秀率机会看不到了，所以这个时候需要设置次坐标轴，让两种数据分别使用各自的坐标轴。</a:t>
+              <a:t>由于系列“优秀率”的数据是百分比，而系列“第一名”是数字，两种数据在一个坐标轴显示时，</a:t>
+            </a:r>
+            <a:r>
+              <a:rPr lang="zh-CN" altLang="en-US" smtClean="0"/>
+              <a:t>优秀</a:t>
+            </a:r>
+            <a:r>
+              <a:rPr lang="zh-CN" altLang="en-US" smtClean="0"/>
+              <a:t>率</a:t>
+            </a:r>
+            <a:r>
+              <a:rPr lang="zh-CN" altLang="en-US"/>
+              <a:t>几乎</a:t>
+            </a:r>
+            <a:r>
+              <a:rPr lang="zh-CN" altLang="en-US" smtClean="0"/>
+              <a:t>看不到</a:t>
+            </a:r>
+            <a:r>
+              <a:rPr lang="zh-CN" altLang="en-US" dirty="0" smtClean="0"/>
+              <a:t>了，所以这个时候需要设置次坐标轴，让两种数据分别使用各自的坐标轴。</a:t>
             </a:r>
             <a:endParaRPr lang="zh-CN" altLang="en-US" dirty="0"/>
           </a:p>
